--- a/test.pptx
+++ b/test.pptx
@@ -6,11 +6,6 @@
   </p:sldMasterIdLst>
   <p:sldIdLst>
     <p:sldId id="256" r:id="rId7"/>
-    <p:sldId id="257" r:id="rId8"/>
-    <p:sldId id="258" r:id="rId9"/>
-    <p:sldId id="259" r:id="rId10"/>
-    <p:sldId id="260" r:id="rId11"/>
-    <p:sldId id="261" r:id="rId12"/>
   </p:sldIdLst>
   <p:sldSz cx="9144000" cy="6858000" type="screen4x3"/>
   <p:notesSz cx="6858000" cy="9144000"/>
@@ -3109,7 +3104,7 @@
           <a:lstStyle/>
           <a:p>
             <a:r>
-              <a:t>5 методов из библиотеки RANDOM</a:t>
+              <a:t>Библиотека RANDOM</a:t>
             </a:r>
           </a:p>
         </p:txBody>
@@ -3128,305 +3123,9 @@
         <p:txBody>
           <a:bodyPr/>
           <a:lstStyle/>
-          <a:p/>
-        </p:txBody>
-      </p:sp>
-    </p:spTree>
-  </p:cSld>
-  <p:clrMapOvr>
-    <a:masterClrMapping/>
-  </p:clrMapOvr>
-</p:sld>
-</file>
-
-<file path=ppt/slides/slide2.xml><?xml version="1.0" encoding="utf-8"?>
-<p:sld xmlns:a="http://schemas.openxmlformats.org/drawingml/2006/main" xmlns:p="http://schemas.openxmlformats.org/presentationml/2006/main" xmlns:r="http://schemas.openxmlformats.org/officeDocument/2006/relationships">
-  <p:cSld>
-    <p:spTree>
-      <p:nvGrpSpPr>
-        <p:cNvPr id="1" name=""/>
-        <p:cNvGrpSpPr/>
-        <p:nvPr/>
-      </p:nvGrpSpPr>
-      <p:grpSpPr/>
-      <p:sp>
-        <p:nvSpPr>
-          <p:cNvPr id="2" name="Title 1"/>
-          <p:cNvSpPr>
-            <a:spLocks noGrp="1"/>
-          </p:cNvSpPr>
-          <p:nvPr>
-            <p:ph type="title"/>
-          </p:nvPr>
-        </p:nvSpPr>
-        <p:spPr/>
-        <p:txBody>
-          <a:bodyPr/>
-          <a:lstStyle/>
-          <a:p>
-            <a:r>
-              <a:t>Метод expovariate</a:t>
-            </a:r>
-          </a:p>
-        </p:txBody>
-      </p:sp>
-      <p:sp>
-        <p:nvSpPr>
-          <p:cNvPr id="3" name="Content Placeholder 2"/>
-          <p:cNvSpPr>
-            <a:spLocks noGrp="1"/>
-          </p:cNvSpPr>
-          <p:nvPr>
-            <p:ph idx="1"/>
-          </p:nvPr>
-        </p:nvSpPr>
-        <p:spPr/>
-        <p:txBody>
-          <a:bodyPr/>
-          <a:lstStyle/>
-          <a:p>
-            <a:r>
-              <a:t>None</a:t>
-            </a:r>
-          </a:p>
-        </p:txBody>
-      </p:sp>
-    </p:spTree>
-  </p:cSld>
-  <p:clrMapOvr>
-    <a:masterClrMapping/>
-  </p:clrMapOvr>
-</p:sld>
-</file>
-
-<file path=ppt/slides/slide3.xml><?xml version="1.0" encoding="utf-8"?>
-<p:sld xmlns:a="http://schemas.openxmlformats.org/drawingml/2006/main" xmlns:p="http://schemas.openxmlformats.org/presentationml/2006/main" xmlns:r="http://schemas.openxmlformats.org/officeDocument/2006/relationships">
-  <p:cSld>
-    <p:spTree>
-      <p:nvGrpSpPr>
-        <p:cNvPr id="1" name=""/>
-        <p:cNvGrpSpPr/>
-        <p:nvPr/>
-      </p:nvGrpSpPr>
-      <p:grpSpPr/>
-      <p:sp>
-        <p:nvSpPr>
-          <p:cNvPr id="2" name="Title 1"/>
-          <p:cNvSpPr>
-            <a:spLocks noGrp="1"/>
-          </p:cNvSpPr>
-          <p:nvPr>
-            <p:ph type="title"/>
-          </p:nvPr>
-        </p:nvSpPr>
-        <p:spPr/>
-        <p:txBody>
-          <a:bodyPr/>
-          <a:lstStyle/>
-          <a:p>
-            <a:r>
-              <a:t>Метод choices</a:t>
-            </a:r>
-          </a:p>
-        </p:txBody>
-      </p:sp>
-      <p:sp>
-        <p:nvSpPr>
-          <p:cNvPr id="3" name="Content Placeholder 2"/>
-          <p:cNvSpPr>
-            <a:spLocks noGrp="1"/>
-          </p:cNvSpPr>
-          <p:nvPr>
-            <p:ph idx="1"/>
-          </p:nvPr>
-        </p:nvSpPr>
-        <p:spPr/>
-        <p:txBody>
-          <a:bodyPr/>
-          <a:lstStyle/>
-          <a:p>
-            <a:r>
-              <a:t>None</a:t>
-            </a:r>
-          </a:p>
-        </p:txBody>
-      </p:sp>
-    </p:spTree>
-  </p:cSld>
-  <p:clrMapOvr>
-    <a:masterClrMapping/>
-  </p:clrMapOvr>
-</p:sld>
-</file>
-
-<file path=ppt/slides/slide4.xml><?xml version="1.0" encoding="utf-8"?>
-<p:sld xmlns:a="http://schemas.openxmlformats.org/drawingml/2006/main" xmlns:p="http://schemas.openxmlformats.org/presentationml/2006/main" xmlns:r="http://schemas.openxmlformats.org/officeDocument/2006/relationships">
-  <p:cSld>
-    <p:spTree>
-      <p:nvGrpSpPr>
-        <p:cNvPr id="1" name=""/>
-        <p:cNvGrpSpPr/>
-        <p:nvPr/>
-      </p:nvGrpSpPr>
-      <p:grpSpPr/>
-      <p:sp>
-        <p:nvSpPr>
-          <p:cNvPr id="2" name="Title 1"/>
-          <p:cNvSpPr>
-            <a:spLocks noGrp="1"/>
-          </p:cNvSpPr>
-          <p:nvPr>
-            <p:ph type="title"/>
-          </p:nvPr>
-        </p:nvSpPr>
-        <p:spPr/>
-        <p:txBody>
-          <a:bodyPr/>
-          <a:lstStyle/>
-          <a:p>
-            <a:r>
-              <a:t>Метод triangular</a:t>
-            </a:r>
-          </a:p>
-        </p:txBody>
-      </p:sp>
-      <p:sp>
-        <p:nvSpPr>
-          <p:cNvPr id="3" name="Content Placeholder 2"/>
-          <p:cNvSpPr>
-            <a:spLocks noGrp="1"/>
-          </p:cNvSpPr>
-          <p:nvPr>
-            <p:ph idx="1"/>
-          </p:nvPr>
-        </p:nvSpPr>
-        <p:spPr/>
-        <p:txBody>
-          <a:bodyPr/>
-          <a:lstStyle/>
-          <a:p>
-            <a:r>
-              <a:t>None</a:t>
-            </a:r>
-          </a:p>
-        </p:txBody>
-      </p:sp>
-    </p:spTree>
-  </p:cSld>
-  <p:clrMapOvr>
-    <a:masterClrMapping/>
-  </p:clrMapOvr>
-</p:sld>
-</file>
-
-<file path=ppt/slides/slide5.xml><?xml version="1.0" encoding="utf-8"?>
-<p:sld xmlns:a="http://schemas.openxmlformats.org/drawingml/2006/main" xmlns:p="http://schemas.openxmlformats.org/presentationml/2006/main" xmlns:r="http://schemas.openxmlformats.org/officeDocument/2006/relationships">
-  <p:cSld>
-    <p:spTree>
-      <p:nvGrpSpPr>
-        <p:cNvPr id="1" name=""/>
-        <p:cNvGrpSpPr/>
-        <p:nvPr/>
-      </p:nvGrpSpPr>
-      <p:grpSpPr/>
-      <p:sp>
-        <p:nvSpPr>
-          <p:cNvPr id="2" name="Title 1"/>
-          <p:cNvSpPr>
-            <a:spLocks noGrp="1"/>
-          </p:cNvSpPr>
-          <p:nvPr>
-            <p:ph type="title"/>
-          </p:nvPr>
-        </p:nvSpPr>
-        <p:spPr/>
-        <p:txBody>
-          <a:bodyPr/>
-          <a:lstStyle/>
-          <a:p>
-            <a:r>
-              <a:t>Метод vonmisesvariate</a:t>
-            </a:r>
-          </a:p>
-        </p:txBody>
-      </p:sp>
-      <p:sp>
-        <p:nvSpPr>
-          <p:cNvPr id="3" name="Content Placeholder 2"/>
-          <p:cNvSpPr>
-            <a:spLocks noGrp="1"/>
-          </p:cNvSpPr>
-          <p:nvPr>
-            <p:ph idx="1"/>
-          </p:nvPr>
-        </p:nvSpPr>
-        <p:spPr/>
-        <p:txBody>
-          <a:bodyPr/>
-          <a:lstStyle/>
-          <a:p>
-            <a:r>
-              <a:t>None</a:t>
-            </a:r>
-          </a:p>
-        </p:txBody>
-      </p:sp>
-    </p:spTree>
-  </p:cSld>
-  <p:clrMapOvr>
-    <a:masterClrMapping/>
-  </p:clrMapOvr>
-</p:sld>
-</file>
-
-<file path=ppt/slides/slide6.xml><?xml version="1.0" encoding="utf-8"?>
-<p:sld xmlns:a="http://schemas.openxmlformats.org/drawingml/2006/main" xmlns:p="http://schemas.openxmlformats.org/presentationml/2006/main" xmlns:r="http://schemas.openxmlformats.org/officeDocument/2006/relationships">
-  <p:cSld>
-    <p:spTree>
-      <p:nvGrpSpPr>
-        <p:cNvPr id="1" name=""/>
-        <p:cNvGrpSpPr/>
-        <p:nvPr/>
-      </p:nvGrpSpPr>
-      <p:grpSpPr/>
-      <p:sp>
-        <p:nvSpPr>
-          <p:cNvPr id="2" name="Title 1"/>
-          <p:cNvSpPr>
-            <a:spLocks noGrp="1"/>
-          </p:cNvSpPr>
-          <p:nvPr>
-            <p:ph type="title"/>
-          </p:nvPr>
-        </p:nvSpPr>
-        <p:spPr/>
-        <p:txBody>
-          <a:bodyPr/>
-          <a:lstStyle/>
-          <a:p>
-            <a:r>
-              <a:t>Метод betavariate</a:t>
-            </a:r>
-          </a:p>
-        </p:txBody>
-      </p:sp>
-      <p:sp>
-        <p:nvSpPr>
-          <p:cNvPr id="3" name="Content Placeholder 2"/>
-          <p:cNvSpPr>
-            <a:spLocks noGrp="1"/>
-          </p:cNvSpPr>
-          <p:nvPr>
-            <p:ph idx="1"/>
-          </p:nvPr>
-        </p:nvSpPr>
-        <p:spPr/>
-        <p:txBody>
-          <a:bodyPr/>
-          <a:lstStyle/>
-          <a:p>
-            <a:r>
-              <a:t>None</a:t>
+          <a:p>
+            <a:r>
+              <a:t>Документация по 4 методам</a:t>
             </a:r>
           </a:p>
         </p:txBody>
